--- a/Conference/2602_QIP/1_introduction.pptx
+++ b/Conference/2602_QIP/1_introduction.pptx
@@ -254,7 +254,7 @@
           <a:p>
             <a:fld id="{F602A9BB-8336-1F4C-AA8D-E45E345636B3}" type="datetimeFigureOut">
               <a:rPr kumimoji="1" lang="ja-JP" altLang="en-US" smtClean="0"/>
-              <a:t>2025/8/15</a:t>
+              <a:t>2025/12/26</a:t>
             </a:fld>
             <a:endParaRPr kumimoji="1" lang="ja-JP" altLang="en-US"/>
           </a:p>
@@ -456,7 +456,7 @@
           <a:p>
             <a:fld id="{F602A9BB-8336-1F4C-AA8D-E45E345636B3}" type="datetimeFigureOut">
               <a:rPr kumimoji="1" lang="ja-JP" altLang="en-US" smtClean="0"/>
-              <a:t>2025/8/15</a:t>
+              <a:t>2025/12/26</a:t>
             </a:fld>
             <a:endParaRPr kumimoji="1" lang="ja-JP" altLang="en-US"/>
           </a:p>
@@ -668,7 +668,7 @@
           <a:p>
             <a:fld id="{F602A9BB-8336-1F4C-AA8D-E45E345636B3}" type="datetimeFigureOut">
               <a:rPr kumimoji="1" lang="ja-JP" altLang="en-US" smtClean="0"/>
-              <a:t>2025/8/15</a:t>
+              <a:t>2025/12/26</a:t>
             </a:fld>
             <a:endParaRPr kumimoji="1" lang="ja-JP" altLang="en-US"/>
           </a:p>
@@ -870,7 +870,7 @@
           <a:p>
             <a:fld id="{F602A9BB-8336-1F4C-AA8D-E45E345636B3}" type="datetimeFigureOut">
               <a:rPr kumimoji="1" lang="ja-JP" altLang="en-US" smtClean="0"/>
-              <a:t>2025/8/15</a:t>
+              <a:t>2025/12/26</a:t>
             </a:fld>
             <a:endParaRPr kumimoji="1" lang="ja-JP" altLang="en-US"/>
           </a:p>
@@ -1114,7 +1114,7 @@
           <a:p>
             <a:fld id="{F602A9BB-8336-1F4C-AA8D-E45E345636B3}" type="datetimeFigureOut">
               <a:rPr kumimoji="1" lang="ja-JP" altLang="en-US" smtClean="0"/>
-              <a:t>2025/8/15</a:t>
+              <a:t>2025/12/26</a:t>
             </a:fld>
             <a:endParaRPr kumimoji="1" lang="ja-JP" altLang="en-US"/>
           </a:p>
@@ -1410,7 +1410,7 @@
           <a:p>
             <a:fld id="{F602A9BB-8336-1F4C-AA8D-E45E345636B3}" type="datetimeFigureOut">
               <a:rPr kumimoji="1" lang="ja-JP" altLang="en-US" smtClean="0"/>
-              <a:t>2025/8/15</a:t>
+              <a:t>2025/12/26</a:t>
             </a:fld>
             <a:endParaRPr kumimoji="1" lang="ja-JP" altLang="en-US"/>
           </a:p>
@@ -1841,7 +1841,7 @@
           <a:p>
             <a:fld id="{F602A9BB-8336-1F4C-AA8D-E45E345636B3}" type="datetimeFigureOut">
               <a:rPr kumimoji="1" lang="ja-JP" altLang="en-US" smtClean="0"/>
-              <a:t>2025/8/15</a:t>
+              <a:t>2025/12/26</a:t>
             </a:fld>
             <a:endParaRPr kumimoji="1" lang="ja-JP" altLang="en-US"/>
           </a:p>
@@ -1959,7 +1959,7 @@
           <a:p>
             <a:fld id="{F602A9BB-8336-1F4C-AA8D-E45E345636B3}" type="datetimeFigureOut">
               <a:rPr kumimoji="1" lang="ja-JP" altLang="en-US" smtClean="0"/>
-              <a:t>2025/8/15</a:t>
+              <a:t>2025/12/26</a:t>
             </a:fld>
             <a:endParaRPr kumimoji="1" lang="ja-JP" altLang="en-US"/>
           </a:p>
@@ -2054,7 +2054,7 @@
           <a:p>
             <a:fld id="{F602A9BB-8336-1F4C-AA8D-E45E345636B3}" type="datetimeFigureOut">
               <a:rPr kumimoji="1" lang="ja-JP" altLang="en-US" smtClean="0"/>
-              <a:t>2025/8/15</a:t>
+              <a:t>2025/12/26</a:t>
             </a:fld>
             <a:endParaRPr kumimoji="1" lang="ja-JP" altLang="en-US"/>
           </a:p>
@@ -2363,7 +2363,7 @@
           <a:p>
             <a:fld id="{F602A9BB-8336-1F4C-AA8D-E45E345636B3}" type="datetimeFigureOut">
               <a:rPr kumimoji="1" lang="ja-JP" altLang="en-US" smtClean="0"/>
-              <a:t>2025/8/15</a:t>
+              <a:t>2025/12/26</a:t>
             </a:fld>
             <a:endParaRPr kumimoji="1" lang="ja-JP" altLang="en-US"/>
           </a:p>
@@ -2620,7 +2620,7 @@
           <a:p>
             <a:fld id="{F602A9BB-8336-1F4C-AA8D-E45E345636B3}" type="datetimeFigureOut">
               <a:rPr kumimoji="1" lang="ja-JP" altLang="en-US" smtClean="0"/>
-              <a:t>2025/8/15</a:t>
+              <a:t>2025/12/26</a:t>
             </a:fld>
             <a:endParaRPr kumimoji="1" lang="ja-JP" altLang="en-US"/>
           </a:p>
@@ -2865,7 +2865,7 @@
           <a:p>
             <a:fld id="{F602A9BB-8336-1F4C-AA8D-E45E345636B3}" type="datetimeFigureOut">
               <a:rPr kumimoji="1" lang="ja-JP" altLang="en-US" smtClean="0"/>
-              <a:t>2025/8/15</a:t>
+              <a:t>2025/12/26</a:t>
             </a:fld>
             <a:endParaRPr kumimoji="1" lang="ja-JP" altLang="en-US"/>
           </a:p>
@@ -3504,8 +3504,8 @@
         </p:nvSpPr>
         <p:spPr>
           <a:xfrm>
-            <a:off x="5206345" y="2215646"/>
-            <a:ext cx="5762586" cy="523220"/>
+            <a:off x="5029815" y="2198597"/>
+            <a:ext cx="8300105" cy="523220"/>
           </a:xfrm>
           <a:prstGeom prst="rect">
             <a:avLst/>
@@ -3524,15 +3524,7 @@
                 <a:ea typeface="YuKyokasho Medium" panose="02000500000000000000" pitchFamily="2" charset="-128"/>
                 <a:cs typeface="Times New Roman" panose="02020603050405020304" pitchFamily="18" charset="0"/>
               </a:rPr>
-              <a:t>Schrodinger eq. </a:t>
-            </a:r>
-            <a:r>
-              <a:rPr kumimoji="1" lang="ja-JP" altLang="en-US" sz="2800">
-                <a:latin typeface="Times New Roman" panose="02020603050405020304" pitchFamily="18" charset="0"/>
-                <a:ea typeface="YuKyokasho Medium" panose="02000500000000000000" pitchFamily="2" charset="-128"/>
-                <a:cs typeface="Times New Roman" panose="02020603050405020304" pitchFamily="18" charset="0"/>
-              </a:rPr>
-              <a:t>を量子計算機で解く</a:t>
+              <a:t>Solve Schrodinger equation with quantum computers</a:t>
             </a:r>
             <a:endParaRPr kumimoji="1" lang="ja-JP" altLang="en-US" sz="2800" dirty="0">
               <a:latin typeface="Times New Roman" panose="02020603050405020304" pitchFamily="18" charset="0"/>
@@ -3556,8 +3548,8 @@
         </p:nvSpPr>
         <p:spPr>
           <a:xfrm>
-            <a:off x="1154899" y="5166147"/>
-            <a:ext cx="3076565" cy="523220"/>
+            <a:off x="1154899" y="4895906"/>
+            <a:ext cx="4314329" cy="523220"/>
           </a:xfrm>
           <a:prstGeom prst="rect">
             <a:avLst/>
@@ -3576,15 +3568,7 @@
                 <a:ea typeface="YuKyokasho Medium" panose="02000500000000000000" pitchFamily="2" charset="-128"/>
                 <a:cs typeface="Times New Roman" panose="02020603050405020304" pitchFamily="18" charset="0"/>
               </a:rPr>
-              <a:t>- </a:t>
-            </a:r>
-            <a:r>
-              <a:rPr kumimoji="1" lang="ja-JP" altLang="en-US" sz="2800">
-                <a:latin typeface="Times New Roman" panose="02020603050405020304" pitchFamily="18" charset="0"/>
-                <a:ea typeface="YuKyokasho Medium" panose="02000500000000000000" pitchFamily="2" charset="-128"/>
-                <a:cs typeface="Times New Roman" panose="02020603050405020304" pitchFamily="18" charset="0"/>
-              </a:rPr>
-              <a:t>指数加速が期待</a:t>
+              <a:t>- Potential exp. speedup</a:t>
             </a:r>
             <a:endParaRPr kumimoji="1" lang="ja-JP" altLang="en-US" sz="2800" dirty="0">
               <a:latin typeface="Times New Roman" panose="02020603050405020304" pitchFamily="18" charset="0"/>
@@ -3608,7 +3592,7 @@
         </p:nvSpPr>
         <p:spPr>
           <a:xfrm>
-            <a:off x="6995648" y="5164235"/>
+            <a:off x="6735087" y="4895906"/>
             <a:ext cx="5939292" cy="523220"/>
           </a:xfrm>
           <a:prstGeom prst="rect">
@@ -3628,31 +3612,7 @@
                 <a:ea typeface="YuKyokasho Medium" panose="02000500000000000000" pitchFamily="2" charset="-128"/>
                 <a:cs typeface="Times New Roman" panose="02020603050405020304" pitchFamily="18" charset="0"/>
               </a:rPr>
-              <a:t>- </a:t>
-            </a:r>
-            <a:r>
-              <a:rPr kumimoji="1" lang="ja-JP" altLang="en-US" sz="2800">
-                <a:latin typeface="Times New Roman" panose="02020603050405020304" pitchFamily="18" charset="0"/>
-                <a:ea typeface="YuKyokasho Medium" panose="02000500000000000000" pitchFamily="2" charset="-128"/>
-                <a:cs typeface="Times New Roman" panose="02020603050405020304" pitchFamily="18" charset="0"/>
-              </a:rPr>
-              <a:t>物性物理</a:t>
-            </a:r>
-            <a:r>
-              <a:rPr kumimoji="1" lang="en-US" altLang="ja-JP" sz="2800" dirty="0">
-                <a:latin typeface="Times New Roman" panose="02020603050405020304" pitchFamily="18" charset="0"/>
-                <a:ea typeface="YuKyokasho Medium" panose="02000500000000000000" pitchFamily="2" charset="-128"/>
-                <a:cs typeface="Times New Roman" panose="02020603050405020304" pitchFamily="18" charset="0"/>
-              </a:rPr>
-              <a:t>&amp;</a:t>
-            </a:r>
-            <a:r>
-              <a:rPr kumimoji="1" lang="ja-JP" altLang="en-US" sz="2800">
-                <a:latin typeface="Times New Roman" panose="02020603050405020304" pitchFamily="18" charset="0"/>
-                <a:ea typeface="YuKyokasho Medium" panose="02000500000000000000" pitchFamily="2" charset="-128"/>
-                <a:cs typeface="Times New Roman" panose="02020603050405020304" pitchFamily="18" charset="0"/>
-              </a:rPr>
-              <a:t>量子化学へ広い応用</a:t>
+              <a:t>- Application to physics &amp; chemistry</a:t>
             </a:r>
             <a:endParaRPr kumimoji="1" lang="ja-JP" altLang="en-US" sz="2800" dirty="0">
               <a:latin typeface="Times New Roman" panose="02020603050405020304" pitchFamily="18" charset="0"/>
@@ -3707,7 +3667,7 @@
         <p:spPr>
           <a:xfrm>
             <a:off x="380423" y="6901577"/>
-            <a:ext cx="2744662" cy="584775"/>
+            <a:ext cx="5341527" cy="584775"/>
           </a:xfrm>
           <a:prstGeom prst="rect">
             <a:avLst/>
@@ -3738,64 +3698,9 @@
                 <a:ea typeface="YuKyokasho Medium" panose="02000500000000000000" pitchFamily="2" charset="-128"/>
                 <a:cs typeface="Times New Roman" panose="02020603050405020304" pitchFamily="18" charset="0"/>
               </a:rPr>
-              <a:t> Trotter </a:t>
-            </a:r>
-            <a:r>
-              <a:rPr kumimoji="1" lang="ja-JP" altLang="en-US" sz="3200">
-                <a:latin typeface="Times New Roman" panose="02020603050405020304" pitchFamily="18" charset="0"/>
-                <a:ea typeface="YuKyokasho Medium" panose="02000500000000000000" pitchFamily="2" charset="-128"/>
-                <a:cs typeface="Times New Roman" panose="02020603050405020304" pitchFamily="18" charset="0"/>
-              </a:rPr>
-              <a:t>分解</a:t>
-            </a:r>
-          </a:p>
-        </p:txBody>
-      </p:sp>
-      <p:sp>
-        <p:nvSpPr>
-          <p:cNvPr id="43" name="テキスト ボックス 42">
-            <a:extLst>
-              <a:ext uri="{FF2B5EF4-FFF2-40B4-BE49-F238E27FC236}">
-                <a16:creationId xmlns:a16="http://schemas.microsoft.com/office/drawing/2014/main" id="{5AF0C3F4-2322-56F8-6CEE-AF0D373B790C}"/>
-              </a:ext>
-            </a:extLst>
-          </p:cNvPr>
-          <p:cNvSpPr txBox="1"/>
-          <p:nvPr/>
-        </p:nvSpPr>
-        <p:spPr>
-          <a:xfrm>
-            <a:off x="3428365" y="6901577"/>
-            <a:ext cx="7914861" cy="523220"/>
-          </a:xfrm>
-          <a:prstGeom prst="rect">
-            <a:avLst/>
-          </a:prstGeom>
-          <a:noFill/>
-        </p:spPr>
-        <p:txBody>
-          <a:bodyPr wrap="square" rtlCol="0">
-            <a:spAutoFit/>
-          </a:bodyPr>
-          <a:lstStyle/>
-          <a:p>
-            <a:r>
-              <a:rPr kumimoji="1" lang="en-US" altLang="ja-JP" sz="2800" dirty="0">
-                <a:latin typeface="Times New Roman" panose="02020603050405020304" pitchFamily="18" charset="0"/>
-                <a:ea typeface="YuKyokasho Medium" panose="02000500000000000000" pitchFamily="2" charset="-128"/>
-                <a:cs typeface="Times New Roman" panose="02020603050405020304" pitchFamily="18" charset="0"/>
-              </a:rPr>
-              <a:t>NISQ &amp; FTQC </a:t>
-            </a:r>
-            <a:r>
-              <a:rPr kumimoji="1" lang="ja-JP" altLang="en-US" sz="2800">
-                <a:latin typeface="Times New Roman" panose="02020603050405020304" pitchFamily="18" charset="0"/>
-                <a:ea typeface="YuKyokasho Medium" panose="02000500000000000000" pitchFamily="2" charset="-128"/>
-                <a:cs typeface="Times New Roman" panose="02020603050405020304" pitchFamily="18" charset="0"/>
-              </a:rPr>
-              <a:t>で最も標準的な量子アルゴリズム</a:t>
-            </a:r>
-            <a:endParaRPr kumimoji="1" lang="ja-JP" altLang="en-US" sz="2800" dirty="0">
+              <a:t> Various quantum algorithms</a:t>
+            </a:r>
+            <a:endParaRPr kumimoji="1" lang="ja-JP" altLang="en-US" sz="3200">
               <a:latin typeface="Times New Roman" panose="02020603050405020304" pitchFamily="18" charset="0"/>
               <a:ea typeface="YuKyokasho Medium" panose="02000500000000000000" pitchFamily="2" charset="-128"/>
               <a:cs typeface="Times New Roman" panose="02020603050405020304" pitchFamily="18" charset="0"/>
@@ -3819,8 +3724,8 @@
             </p:nvSpPr>
             <p:spPr>
               <a:xfrm>
-                <a:off x="669870" y="6033862"/>
-                <a:ext cx="12166707" cy="523220"/>
+                <a:off x="669870" y="5663790"/>
+                <a:ext cx="12166707" cy="954107"/>
               </a:xfrm>
               <a:prstGeom prst="rect">
                 <a:avLst/>
@@ -3845,23 +3750,15 @@
                     <a:ea typeface="YuKyokasho Medium" panose="02000500000000000000" pitchFamily="2" charset="-128"/>
                     <a:cs typeface="Times New Roman" panose="02020603050405020304" pitchFamily="18" charset="0"/>
                   </a:rPr>
-                  <a:t>Goal: </a:t>
+                  <a:t>Goal: What is the </a:t>
                 </a:r>
                 <a:r>
-                  <a:rPr kumimoji="1" lang="ja-JP" altLang="en-US" sz="2800">
+                  <a:rPr kumimoji="1" lang="en-US" altLang="ja-JP" sz="2800" b="1" u="sng" dirty="0">
                     <a:latin typeface="Times New Roman" panose="02020603050405020304" pitchFamily="18" charset="0"/>
                     <a:ea typeface="YuKyokasho Medium" panose="02000500000000000000" pitchFamily="2" charset="-128"/>
                     <a:cs typeface="Times New Roman" panose="02020603050405020304" pitchFamily="18" charset="0"/>
                   </a:rPr>
-                  <a:t>系</a:t>
-                </a:r>
-                <a:r>
-                  <a:rPr kumimoji="1" lang="ja-JP" altLang="en-US" sz="2800" dirty="0">
-                    <a:latin typeface="Times New Roman" panose="02020603050405020304" pitchFamily="18" charset="0"/>
-                    <a:ea typeface="YuKyokasho Medium" panose="02000500000000000000" pitchFamily="2" charset="-128"/>
-                    <a:cs typeface="Times New Roman" panose="02020603050405020304" pitchFamily="18" charset="0"/>
-                  </a:rPr>
-                  <a:t>サイズ</a:t>
+                  <a:t>fastest</a:t>
                 </a:r>
                 <a:r>
                   <a:rPr kumimoji="1" lang="en-US" altLang="ja-JP" sz="2800" dirty="0">
@@ -3869,7 +3766,18 @@
                     <a:ea typeface="YuKyokasho Medium" panose="02000500000000000000" pitchFamily="2" charset="-128"/>
                     <a:cs typeface="Times New Roman" panose="02020603050405020304" pitchFamily="18" charset="0"/>
                   </a:rPr>
-                  <a:t> </a:t>
+                  <a:t> quantum algorithm </a:t>
+                </a:r>
+              </a:p>
+              <a:p>
+                <a:pPr algn="ctr"/>
+                <a:r>
+                  <a:rPr kumimoji="1" lang="en-US" altLang="ja-JP" sz="2800" dirty="0">
+                    <a:latin typeface="Times New Roman" panose="02020603050405020304" pitchFamily="18" charset="0"/>
+                    <a:ea typeface="YuKyokasho Medium" panose="02000500000000000000" pitchFamily="2" charset="-128"/>
+                    <a:cs typeface="Times New Roman" panose="02020603050405020304" pitchFamily="18" charset="0"/>
+                  </a:rPr>
+                  <a:t>achieving the best scaling in size </a:t>
                 </a:r>
                 <a14:m>
                   <m:oMath xmlns:m="http://schemas.openxmlformats.org/officeDocument/2006/math">
@@ -3889,23 +3797,7 @@
                     <a:ea typeface="YuKyokasho Medium" panose="02000500000000000000" pitchFamily="2" charset="-128"/>
                     <a:cs typeface="Times New Roman" panose="02020603050405020304" pitchFamily="18" charset="0"/>
                   </a:rPr>
-                  <a:t> &amp; </a:t>
-                </a:r>
-                <a:r>
-                  <a:rPr kumimoji="1" lang="ja-JP" altLang="en-US" sz="2800">
-                    <a:latin typeface="Times New Roman" panose="02020603050405020304" pitchFamily="18" charset="0"/>
-                    <a:ea typeface="YuKyokasho Medium" panose="02000500000000000000" pitchFamily="2" charset="-128"/>
-                    <a:cs typeface="Times New Roman" panose="02020603050405020304" pitchFamily="18" charset="0"/>
-                  </a:rPr>
-                  <a:t>時刻</a:t>
-                </a:r>
-                <a:r>
-                  <a:rPr kumimoji="1" lang="en-US" altLang="ja-JP" sz="2800" dirty="0">
-                    <a:latin typeface="Times New Roman" panose="02020603050405020304" pitchFamily="18" charset="0"/>
-                    <a:ea typeface="YuKyokasho Medium" panose="02000500000000000000" pitchFamily="2" charset="-128"/>
-                    <a:cs typeface="Times New Roman" panose="02020603050405020304" pitchFamily="18" charset="0"/>
-                  </a:rPr>
-                  <a:t> </a:t>
+                  <a:t>, time </a:t>
                 </a:r>
                 <a14:m>
                   <m:oMath xmlns:m="http://schemas.openxmlformats.org/officeDocument/2006/math">
@@ -3925,23 +3817,7 @@
                     <a:ea typeface="YuKyokasho Medium" panose="02000500000000000000" pitchFamily="2" charset="-128"/>
                     <a:cs typeface="Times New Roman" panose="02020603050405020304" pitchFamily="18" charset="0"/>
                   </a:rPr>
-                  <a:t> &amp; </a:t>
-                </a:r>
-                <a:r>
-                  <a:rPr kumimoji="1" lang="ja-JP" altLang="en-US" sz="2800">
-                    <a:latin typeface="Times New Roman" panose="02020603050405020304" pitchFamily="18" charset="0"/>
-                    <a:ea typeface="YuKyokasho Medium" panose="02000500000000000000" pitchFamily="2" charset="-128"/>
-                    <a:cs typeface="Times New Roman" panose="02020603050405020304" pitchFamily="18" charset="0"/>
-                  </a:rPr>
-                  <a:t>許容誤差</a:t>
-                </a:r>
-                <a:r>
-                  <a:rPr kumimoji="1" lang="en-US" altLang="ja-JP" sz="2800" dirty="0">
-                    <a:latin typeface="Times New Roman" panose="02020603050405020304" pitchFamily="18" charset="0"/>
-                    <a:ea typeface="YuKyokasho Medium" panose="02000500000000000000" pitchFamily="2" charset="-128"/>
-                    <a:cs typeface="Times New Roman" panose="02020603050405020304" pitchFamily="18" charset="0"/>
-                  </a:rPr>
-                  <a:t> </a:t>
+                  <a:t>, and error </a:t>
                 </a:r>
                 <a14:m>
                   <m:oMath xmlns:m="http://schemas.openxmlformats.org/officeDocument/2006/math">
@@ -3961,15 +3837,7 @@
                     <a:ea typeface="YuKyokasho Medium" panose="02000500000000000000" pitchFamily="2" charset="-128"/>
                     <a:cs typeface="Times New Roman" panose="02020603050405020304" pitchFamily="18" charset="0"/>
                   </a:rPr>
-                  <a:t> </a:t>
-                </a:r>
-                <a:r>
-                  <a:rPr kumimoji="1" lang="ja-JP" altLang="en-US" sz="2800">
-                    <a:latin typeface="Times New Roman" panose="02020603050405020304" pitchFamily="18" charset="0"/>
-                    <a:ea typeface="YuKyokasho Medium" panose="02000500000000000000" pitchFamily="2" charset="-128"/>
-                    <a:cs typeface="Times New Roman" panose="02020603050405020304" pitchFamily="18" charset="0"/>
-                  </a:rPr>
-                  <a:t>について高速な量子アルゴリズム</a:t>
+                  <a:t> ?</a:t>
                 </a:r>
                 <a:endParaRPr kumimoji="1" lang="ja-JP" altLang="en-US" sz="2800" dirty="0">
                   <a:latin typeface="Times New Roman" panose="02020603050405020304" pitchFamily="18" charset="0"/>
@@ -3997,8 +3865,8 @@
             </p:nvSpPr>
             <p:spPr>
               <a:xfrm>
-                <a:off x="669870" y="6033862"/>
-                <a:ext cx="12166707" cy="523220"/>
+                <a:off x="669870" y="5663790"/>
+                <a:ext cx="12166707" cy="954107"/>
               </a:xfrm>
               <a:prstGeom prst="rect">
                 <a:avLst/>
@@ -4006,7 +3874,7 @@
               <a:blipFill>
                 <a:blip r:embed="rId3"/>
                 <a:stretch>
-                  <a:fillRect t="-16667" b="-33333"/>
+                  <a:fillRect t="-6494" b="-16883"/>
                 </a:stretch>
               </a:blipFill>
             </p:spPr>
@@ -4025,134 +3893,50 @@
           </p:sp>
         </mc:Fallback>
       </mc:AlternateContent>
-      <mc:AlternateContent xmlns:mc="http://schemas.openxmlformats.org/markup-compatibility/2006">
-        <mc:Choice xmlns:a14="http://schemas.microsoft.com/office/drawing/2010/main" Requires="a14">
-          <p:sp>
-            <p:nvSpPr>
-              <p:cNvPr id="79" name="テキスト ボックス 78">
-                <a:extLst>
-                  <a:ext uri="{FF2B5EF4-FFF2-40B4-BE49-F238E27FC236}">
-                    <a16:creationId xmlns:a16="http://schemas.microsoft.com/office/drawing/2014/main" id="{01C07601-6A8C-CECE-12F4-8C5B8C2B2151}"/>
-                  </a:ext>
-                </a:extLst>
-              </p:cNvPr>
-              <p:cNvSpPr txBox="1"/>
-              <p:nvPr/>
-            </p:nvSpPr>
-            <p:spPr>
-              <a:xfrm>
-                <a:off x="473529" y="7755281"/>
-                <a:ext cx="2644118" cy="523220"/>
-              </a:xfrm>
-              <a:prstGeom prst="rect">
-                <a:avLst/>
-              </a:prstGeom>
-              <a:noFill/>
-            </p:spPr>
-            <p:txBody>
-              <a:bodyPr wrap="square" rtlCol="0">
-                <a:spAutoFit/>
-              </a:bodyPr>
-              <a:lstStyle/>
-              <a:p>
-                <a:r>
-                  <a:rPr kumimoji="1" lang="en-US" altLang="ja-JP" sz="2800" b="1" dirty="0">
-                    <a:latin typeface="Times New Roman" panose="02020603050405020304" pitchFamily="18" charset="0"/>
-                    <a:ea typeface="YUKYOKASHO MEDIUM" panose="02000500000000000000" pitchFamily="2" charset="-128"/>
-                    <a:cs typeface="Times New Roman" panose="02020603050405020304" pitchFamily="18" charset="0"/>
-                  </a:rPr>
-                  <a:t>[</a:t>
-                </a:r>
-                <a14:m>
-                  <m:oMath xmlns:m="http://schemas.openxmlformats.org/officeDocument/2006/math">
-                    <m:r>
-                      <a:rPr kumimoji="1" lang="en-US" altLang="ja-JP" sz="2800" b="1" i="1" smtClean="0">
-                        <a:latin typeface="Cambria Math" panose="02040503050406030204" pitchFamily="18" charset="0"/>
-                        <a:ea typeface="YuKyokasho Medium" panose="02000500000000000000" pitchFamily="2" charset="-128"/>
-                        <a:cs typeface="Times New Roman" panose="02020603050405020304" pitchFamily="18" charset="0"/>
-                      </a:rPr>
-                      <m:t>𝒑</m:t>
-                    </m:r>
-                  </m:oMath>
-                </a14:m>
-                <a:r>
-                  <a:rPr kumimoji="1" lang="en-US" altLang="ja-JP" sz="2800" b="1" dirty="0">
-                    <a:latin typeface="Times New Roman" panose="02020603050405020304" pitchFamily="18" charset="0"/>
-                    <a:ea typeface="YUKYOKASHO MEDIUM" panose="02000500000000000000" pitchFamily="2" charset="-128"/>
-                    <a:cs typeface="Times New Roman" panose="02020603050405020304" pitchFamily="18" charset="0"/>
-                  </a:rPr>
-                  <a:t> </a:t>
-                </a:r>
-                <a:r>
-                  <a:rPr kumimoji="1" lang="ja-JP" altLang="en-US" sz="2800" b="1">
-                    <a:latin typeface="Times New Roman" panose="02020603050405020304" pitchFamily="18" charset="0"/>
-                    <a:ea typeface="YUKYOKASHO MEDIUM" panose="02000500000000000000" pitchFamily="2" charset="-128"/>
-                    <a:cs typeface="Times New Roman" panose="02020603050405020304" pitchFamily="18" charset="0"/>
-                  </a:rPr>
-                  <a:t>次の積公式</a:t>
-                </a:r>
-                <a:r>
-                  <a:rPr kumimoji="1" lang="en-US" altLang="ja-JP" sz="2800" b="1" dirty="0">
-                    <a:latin typeface="Times New Roman" panose="02020603050405020304" pitchFamily="18" charset="0"/>
-                    <a:ea typeface="YUKYOKASHO MEDIUM" panose="02000500000000000000" pitchFamily="2" charset="-128"/>
-                    <a:cs typeface="Times New Roman" panose="02020603050405020304" pitchFamily="18" charset="0"/>
-                  </a:rPr>
-                  <a:t>]</a:t>
-                </a:r>
-                <a:endParaRPr kumimoji="1" lang="ja-JP" altLang="en-US" sz="2800" b="1">
-                  <a:latin typeface="Times New Roman" panose="02020603050405020304" pitchFamily="18" charset="0"/>
-                  <a:ea typeface="YUKYOKASHO MEDIUM" panose="02000500000000000000" pitchFamily="2" charset="-128"/>
-                  <a:cs typeface="Times New Roman" panose="02020603050405020304" pitchFamily="18" charset="0"/>
-                </a:endParaRPr>
-              </a:p>
-            </p:txBody>
-          </p:sp>
-        </mc:Choice>
-        <mc:Fallback>
-          <p:sp>
-            <p:nvSpPr>
-              <p:cNvPr id="79" name="テキスト ボックス 78">
-                <a:extLst>
-                  <a:ext uri="{FF2B5EF4-FFF2-40B4-BE49-F238E27FC236}">
-                    <a16:creationId xmlns:a16="http://schemas.microsoft.com/office/drawing/2014/main" id="{01C07601-6A8C-CECE-12F4-8C5B8C2B2151}"/>
-                  </a:ext>
-                </a:extLst>
-              </p:cNvPr>
-              <p:cNvSpPr txBox="1">
-                <a:spLocks noRot="1" noChangeAspect="1" noMove="1" noResize="1" noEditPoints="1" noAdjustHandles="1" noChangeArrowheads="1" noChangeShapeType="1" noTextEdit="1"/>
-              </p:cNvSpPr>
-              <p:nvPr/>
-            </p:nvSpPr>
-            <p:spPr>
-              <a:xfrm>
-                <a:off x="473529" y="7755281"/>
-                <a:ext cx="2644118" cy="523220"/>
-              </a:xfrm>
-              <a:prstGeom prst="rect">
-                <a:avLst/>
-              </a:prstGeom>
-              <a:blipFill>
-                <a:blip r:embed="rId4"/>
-                <a:stretch>
-                  <a:fillRect l="-4785" t="-16667" r="-957" b="-35714"/>
-                </a:stretch>
-              </a:blipFill>
-            </p:spPr>
-            <p:txBody>
-              <a:bodyPr/>
-              <a:lstStyle/>
-              <a:p>
-                <a:r>
-                  <a:rPr lang="ja-JP" altLang="en-US">
-                    <a:noFill/>
-                  </a:rPr>
-                  <a:t> </a:t>
-                </a:r>
-              </a:p>
-            </p:txBody>
-          </p:sp>
-        </mc:Fallback>
-      </mc:AlternateContent>
+      <p:sp>
+        <p:nvSpPr>
+          <p:cNvPr id="79" name="テキスト ボックス 78">
+            <a:extLst>
+              <a:ext uri="{FF2B5EF4-FFF2-40B4-BE49-F238E27FC236}">
+                <a16:creationId xmlns:a16="http://schemas.microsoft.com/office/drawing/2014/main" id="{01C07601-6A8C-CECE-12F4-8C5B8C2B2151}"/>
+              </a:ext>
+            </a:extLst>
+          </p:cNvPr>
+          <p:cNvSpPr txBox="1"/>
+          <p:nvPr/>
+        </p:nvSpPr>
+        <p:spPr>
+          <a:xfrm>
+            <a:off x="310718" y="7621539"/>
+            <a:ext cx="3790859" cy="523220"/>
+          </a:xfrm>
+          <a:prstGeom prst="rect">
+            <a:avLst/>
+          </a:prstGeom>
+          <a:noFill/>
+        </p:spPr>
+        <p:txBody>
+          <a:bodyPr wrap="square" rtlCol="0">
+            <a:spAutoFit/>
+          </a:bodyPr>
+          <a:lstStyle/>
+          <a:p>
+            <a:r>
+              <a:rPr kumimoji="1" lang="en-US" altLang="ja-JP" sz="2800" b="1" dirty="0">
+                <a:latin typeface="Times New Roman" panose="02020603050405020304" pitchFamily="18" charset="0"/>
+                <a:ea typeface="YUKYOKASHO MEDIUM" panose="02000500000000000000" pitchFamily="2" charset="-128"/>
+                <a:cs typeface="Times New Roman" panose="02020603050405020304" pitchFamily="18" charset="0"/>
+              </a:rPr>
+              <a:t>[Product formula (PF)]</a:t>
+            </a:r>
+            <a:endParaRPr kumimoji="1" lang="ja-JP" altLang="en-US" sz="2800" b="1">
+              <a:latin typeface="Times New Roman" panose="02020603050405020304" pitchFamily="18" charset="0"/>
+              <a:ea typeface="YUKYOKASHO MEDIUM" panose="02000500000000000000" pitchFamily="2" charset="-128"/>
+              <a:cs typeface="Times New Roman" panose="02020603050405020304" pitchFamily="18" charset="0"/>
+            </a:endParaRPr>
+          </a:p>
+        </p:txBody>
+      </p:sp>
       <p:grpSp>
         <p:nvGrpSpPr>
           <p:cNvPr id="100" name="グループ化 99">
@@ -4167,7 +3951,7 @@
         </p:nvGrpSpPr>
         <p:grpSpPr>
           <a:xfrm>
-            <a:off x="1154899" y="8246382"/>
+            <a:off x="1231454" y="8081114"/>
             <a:ext cx="4314329" cy="1012368"/>
             <a:chOff x="1841818" y="8235723"/>
             <a:chExt cx="4314329" cy="1012368"/>
@@ -4188,7 +3972,7 @@
             <p:nvPr/>
           </p:nvPicPr>
           <p:blipFill rotWithShape="1">
-            <a:blip r:embed="rId5">
+            <a:blip r:embed="rId4">
               <a:extLst>
                 <a:ext uri="{28A0092B-C50C-407E-A947-70E740481C1C}">
                   <a14:useLocalDpi xmlns:a14="http://schemas.microsoft.com/office/drawing/2010/main" val="0"/>
@@ -4235,7 +4019,7 @@
             <p:nvPr/>
           </p:nvPicPr>
           <p:blipFill rotWithShape="1">
-            <a:blip r:embed="rId5">
+            <a:blip r:embed="rId4">
               <a:extLst>
                 <a:ext uri="{28A0092B-C50C-407E-A947-70E740481C1C}">
                   <a14:useLocalDpi xmlns:a14="http://schemas.microsoft.com/office/drawing/2010/main" val="0"/>
@@ -4268,423 +4052,6 @@
       </p:grpSp>
       <p:sp>
         <p:nvSpPr>
-          <p:cNvPr id="91" name="正方形/長方形 90">
-            <a:extLst>
-              <a:ext uri="{FF2B5EF4-FFF2-40B4-BE49-F238E27FC236}">
-                <a16:creationId xmlns:a16="http://schemas.microsoft.com/office/drawing/2014/main" id="{F9C9329B-2B9F-5E10-73B0-0C3F15EB9500}"/>
-              </a:ext>
-            </a:extLst>
-          </p:cNvPr>
-          <p:cNvSpPr/>
-          <p:nvPr/>
-        </p:nvSpPr>
-        <p:spPr>
-          <a:xfrm>
-            <a:off x="10851705" y="10504103"/>
-            <a:ext cx="1278285" cy="178374"/>
-          </a:xfrm>
-          <a:prstGeom prst="rect">
-            <a:avLst/>
-          </a:prstGeom>
-          <a:solidFill>
-            <a:schemeClr val="accent6">
-              <a:lumMod val="20000"/>
-              <a:lumOff val="80000"/>
-            </a:schemeClr>
-          </a:solidFill>
-          <a:ln>
-            <a:noFill/>
-          </a:ln>
-        </p:spPr>
-        <p:style>
-          <a:lnRef idx="2">
-            <a:schemeClr val="accent1">
-              <a:shade val="15000"/>
-            </a:schemeClr>
-          </a:lnRef>
-          <a:fillRef idx="1">
-            <a:schemeClr val="accent1"/>
-          </a:fillRef>
-          <a:effectRef idx="0">
-            <a:schemeClr val="accent1"/>
-          </a:effectRef>
-          <a:fontRef idx="minor">
-            <a:schemeClr val="lt1"/>
-          </a:fontRef>
-        </p:style>
-        <p:txBody>
-          <a:bodyPr rtlCol="0" anchor="ctr"/>
-          <a:lstStyle/>
-          <a:p>
-            <a:pPr algn="ctr"/>
-            <a:endParaRPr kumimoji="1" lang="ja-JP" altLang="en-US">
-              <a:latin typeface="Times New Roman" panose="02020603050405020304" pitchFamily="18" charset="0"/>
-              <a:ea typeface="YuKyokasho Medium" panose="02000500000000000000" pitchFamily="2" charset="-128"/>
-              <a:cs typeface="Times New Roman" panose="02020603050405020304" pitchFamily="18" charset="0"/>
-            </a:endParaRPr>
-          </a:p>
-        </p:txBody>
-      </p:sp>
-      <mc:AlternateContent xmlns:mc="http://schemas.openxmlformats.org/markup-compatibility/2006">
-        <mc:Choice xmlns:a14="http://schemas.microsoft.com/office/drawing/2010/main" Requires="a14">
-          <p:sp>
-            <p:nvSpPr>
-              <p:cNvPr id="92" name="テキスト ボックス 91">
-                <a:extLst>
-                  <a:ext uri="{FF2B5EF4-FFF2-40B4-BE49-F238E27FC236}">
-                    <a16:creationId xmlns:a16="http://schemas.microsoft.com/office/drawing/2014/main" id="{F7E1D12B-B99C-0220-9FE9-92414AD6310A}"/>
-                  </a:ext>
-                </a:extLst>
-              </p:cNvPr>
-              <p:cNvSpPr txBox="1"/>
-              <p:nvPr/>
-            </p:nvSpPr>
-            <p:spPr>
-              <a:xfrm>
-                <a:off x="11120858" y="10525306"/>
-                <a:ext cx="2209062" cy="400110"/>
-              </a:xfrm>
-              <a:prstGeom prst="rect">
-                <a:avLst/>
-              </a:prstGeom>
-              <a:noFill/>
-            </p:spPr>
-            <p:txBody>
-              <a:bodyPr wrap="square" rtlCol="0">
-                <a:spAutoFit/>
-              </a:bodyPr>
-              <a:lstStyle/>
-              <a:p>
-                <a14:m>
-                  <m:oMath xmlns:m="http://schemas.openxmlformats.org/officeDocument/2006/math">
-                    <m:r>
-                      <a:rPr kumimoji="1" lang="en-US" altLang="ja-JP" sz="2000" b="0" i="1" smtClean="0">
-                        <a:solidFill>
-                          <a:schemeClr val="accent6">
-                            <a:lumMod val="75000"/>
-                          </a:schemeClr>
-                        </a:solidFill>
-                        <a:latin typeface="Cambria Math" panose="02040503050406030204" pitchFamily="18" charset="0"/>
-                        <a:ea typeface="YuKyokasho Medium" panose="02000500000000000000" pitchFamily="2" charset="-128"/>
-                        <a:cs typeface="Times New Roman" panose="02020603050405020304" pitchFamily="18" charset="0"/>
-                      </a:rPr>
-                      <m:t>&lt;</m:t>
-                    </m:r>
-                    <m:r>
-                      <a:rPr kumimoji="1" lang="en-US" altLang="ja-JP" sz="2000" b="0" i="1" smtClean="0">
-                        <a:solidFill>
-                          <a:schemeClr val="accent6">
-                            <a:lumMod val="75000"/>
-                          </a:schemeClr>
-                        </a:solidFill>
-                        <a:latin typeface="Cambria Math" panose="02040503050406030204" pitchFamily="18" charset="0"/>
-                        <a:ea typeface="Cambria Math" panose="02040503050406030204" pitchFamily="18" charset="0"/>
-                        <a:cs typeface="Times New Roman" panose="02020603050405020304" pitchFamily="18" charset="0"/>
-                      </a:rPr>
-                      <m:t>𝜀</m:t>
-                    </m:r>
-                  </m:oMath>
-                </a14:m>
-                <a:r>
-                  <a:rPr kumimoji="1" lang="en-US" altLang="ja-JP" sz="2000" dirty="0">
-                    <a:solidFill>
-                      <a:schemeClr val="accent6">
-                        <a:lumMod val="75000"/>
-                      </a:schemeClr>
-                    </a:solidFill>
-                    <a:latin typeface="Times New Roman" panose="02020603050405020304" pitchFamily="18" charset="0"/>
-                    <a:ea typeface="YuKyokasho Medium" panose="02000500000000000000" pitchFamily="2" charset="-128"/>
-                    <a:cs typeface="Times New Roman" panose="02020603050405020304" pitchFamily="18" charset="0"/>
-                  </a:rPr>
-                  <a:t> (</a:t>
-                </a:r>
-                <a:r>
-                  <a:rPr kumimoji="1" lang="ja-JP" altLang="en-US" sz="2000">
-                    <a:solidFill>
-                      <a:schemeClr val="accent6">
-                        <a:lumMod val="75000"/>
-                      </a:schemeClr>
-                    </a:solidFill>
-                    <a:latin typeface="Times New Roman" panose="02020603050405020304" pitchFamily="18" charset="0"/>
-                    <a:ea typeface="YuKyokasho Medium" panose="02000500000000000000" pitchFamily="2" charset="-128"/>
-                    <a:cs typeface="Times New Roman" panose="02020603050405020304" pitchFamily="18" charset="0"/>
-                  </a:rPr>
-                  <a:t>許容誤差</a:t>
-                </a:r>
-                <a:r>
-                  <a:rPr kumimoji="1" lang="en-US" altLang="ja-JP" sz="2000" dirty="0">
-                    <a:solidFill>
-                      <a:schemeClr val="accent6">
-                        <a:lumMod val="75000"/>
-                      </a:schemeClr>
-                    </a:solidFill>
-                    <a:latin typeface="Times New Roman" panose="02020603050405020304" pitchFamily="18" charset="0"/>
-                    <a:ea typeface="YuKyokasho Medium" panose="02000500000000000000" pitchFamily="2" charset="-128"/>
-                    <a:cs typeface="Times New Roman" panose="02020603050405020304" pitchFamily="18" charset="0"/>
-                  </a:rPr>
-                  <a:t>)</a:t>
-                </a:r>
-                <a:endParaRPr kumimoji="1" lang="ja-JP" altLang="en-US" sz="2000">
-                  <a:solidFill>
-                    <a:schemeClr val="accent6">
-                      <a:lumMod val="75000"/>
-                    </a:schemeClr>
-                  </a:solidFill>
-                  <a:latin typeface="Times New Roman" panose="02020603050405020304" pitchFamily="18" charset="0"/>
-                  <a:ea typeface="YuKyokasho Medium" panose="02000500000000000000" pitchFamily="2" charset="-128"/>
-                  <a:cs typeface="Times New Roman" panose="02020603050405020304" pitchFamily="18" charset="0"/>
-                </a:endParaRPr>
-              </a:p>
-            </p:txBody>
-          </p:sp>
-        </mc:Choice>
-        <mc:Fallback>
-          <p:sp>
-            <p:nvSpPr>
-              <p:cNvPr id="92" name="テキスト ボックス 91">
-                <a:extLst>
-                  <a:ext uri="{FF2B5EF4-FFF2-40B4-BE49-F238E27FC236}">
-                    <a16:creationId xmlns:a16="http://schemas.microsoft.com/office/drawing/2014/main" id="{F7E1D12B-B99C-0220-9FE9-92414AD6310A}"/>
-                  </a:ext>
-                </a:extLst>
-              </p:cNvPr>
-              <p:cNvSpPr txBox="1">
-                <a:spLocks noRot="1" noChangeAspect="1" noMove="1" noResize="1" noEditPoints="1" noAdjustHandles="1" noChangeArrowheads="1" noChangeShapeType="1" noTextEdit="1"/>
-              </p:cNvSpPr>
-              <p:nvPr/>
-            </p:nvSpPr>
-            <p:spPr>
-              <a:xfrm>
-                <a:off x="11120858" y="10525306"/>
-                <a:ext cx="2209062" cy="400110"/>
-              </a:xfrm>
-              <a:prstGeom prst="rect">
-                <a:avLst/>
-              </a:prstGeom>
-              <a:blipFill>
-                <a:blip r:embed="rId6"/>
-                <a:stretch>
-                  <a:fillRect t="-9091" b="-27273"/>
-                </a:stretch>
-              </a:blipFill>
-            </p:spPr>
-            <p:txBody>
-              <a:bodyPr/>
-              <a:lstStyle/>
-              <a:p>
-                <a:r>
-                  <a:rPr lang="ja-JP" altLang="en-US">
-                    <a:noFill/>
-                  </a:rPr>
-                  <a:t> </a:t>
-                </a:r>
-              </a:p>
-            </p:txBody>
-          </p:sp>
-        </mc:Fallback>
-      </mc:AlternateContent>
-      <p:pic>
-        <p:nvPicPr>
-          <p:cNvPr id="95" name="図 94">
-            <a:extLst>
-              <a:ext uri="{FF2B5EF4-FFF2-40B4-BE49-F238E27FC236}">
-                <a16:creationId xmlns:a16="http://schemas.microsoft.com/office/drawing/2014/main" id="{4A1C7EBD-AAA2-3211-16AE-53421AF1BE2F}"/>
-              </a:ext>
-            </a:extLst>
-          </p:cNvPr>
-          <p:cNvPicPr>
-            <a:picLocks noChangeAspect="1"/>
-          </p:cNvPicPr>
-          <p:nvPr/>
-        </p:nvPicPr>
-        <p:blipFill>
-          <a:blip r:embed="rId7"/>
-          <a:stretch>
-            <a:fillRect/>
-          </a:stretch>
-        </p:blipFill>
-        <p:spPr>
-          <a:xfrm>
-            <a:off x="10181602" y="7731760"/>
-            <a:ext cx="2985757" cy="1588649"/>
-          </a:xfrm>
-          <a:prstGeom prst="rect">
-            <a:avLst/>
-          </a:prstGeom>
-        </p:spPr>
-      </p:pic>
-      <mc:AlternateContent xmlns:mc="http://schemas.openxmlformats.org/markup-compatibility/2006">
-        <mc:Choice xmlns:a14="http://schemas.microsoft.com/office/drawing/2010/main" Requires="a14">
-          <p:sp>
-            <p:nvSpPr>
-              <p:cNvPr id="97" name="テキスト ボックス 96">
-                <a:extLst>
-                  <a:ext uri="{FF2B5EF4-FFF2-40B4-BE49-F238E27FC236}">
-                    <a16:creationId xmlns:a16="http://schemas.microsoft.com/office/drawing/2014/main" id="{E7F40146-7A1D-83B1-C303-9BE65E24B41A}"/>
-                  </a:ext>
-                </a:extLst>
-              </p:cNvPr>
-              <p:cNvSpPr txBox="1"/>
-              <p:nvPr/>
-            </p:nvSpPr>
-            <p:spPr>
-              <a:xfrm>
-                <a:off x="7142389" y="8551967"/>
-                <a:ext cx="3405875" cy="830997"/>
-              </a:xfrm>
-              <a:prstGeom prst="rect">
-                <a:avLst/>
-              </a:prstGeom>
-              <a:noFill/>
-            </p:spPr>
-            <p:txBody>
-              <a:bodyPr wrap="square" rtlCol="0">
-                <a:spAutoFit/>
-              </a:bodyPr>
-              <a:lstStyle/>
-              <a:p>
-                <a:r>
-                  <a:rPr kumimoji="1" lang="ja-JP" altLang="en-US" sz="2400">
-                    <a:latin typeface="Times New Roman" panose="02020603050405020304" pitchFamily="18" charset="0"/>
-                    <a:ea typeface="YuKyokasho Medium" panose="02000500000000000000" pitchFamily="2" charset="-128"/>
-                    <a:cs typeface="Times New Roman" panose="02020603050405020304" pitchFamily="18" charset="0"/>
-                  </a:rPr>
-                  <a:t>微小時間</a:t>
-                </a:r>
-                <a:r>
-                  <a:rPr kumimoji="1" lang="en-US" altLang="ja-JP" sz="2400" dirty="0">
-                    <a:latin typeface="Times New Roman" panose="02020603050405020304" pitchFamily="18" charset="0"/>
-                    <a:ea typeface="YuKyokasho Medium" panose="02000500000000000000" pitchFamily="2" charset="-128"/>
-                    <a:cs typeface="Times New Roman" panose="02020603050405020304" pitchFamily="18" charset="0"/>
-                  </a:rPr>
-                  <a:t> </a:t>
-                </a:r>
-                <a14:m>
-                  <m:oMath xmlns:m="http://schemas.openxmlformats.org/officeDocument/2006/math">
-                    <m:r>
-                      <a:rPr kumimoji="1" lang="en-US" altLang="ja-JP" sz="2400" i="1" smtClean="0">
-                        <a:latin typeface="Cambria Math" panose="02040503050406030204" pitchFamily="18" charset="0"/>
-                        <a:ea typeface="Cambria Math" panose="02040503050406030204" pitchFamily="18" charset="0"/>
-                        <a:cs typeface="Times New Roman" panose="02020603050405020304" pitchFamily="18" charset="0"/>
-                      </a:rPr>
-                      <m:t>𝜏</m:t>
-                    </m:r>
-                    <m:r>
-                      <a:rPr kumimoji="1" lang="en-US" altLang="ja-JP" sz="2400" b="0" i="1" smtClean="0">
-                        <a:latin typeface="Cambria Math" panose="02040503050406030204" pitchFamily="18" charset="0"/>
-                        <a:ea typeface="Cambria Math" panose="02040503050406030204" pitchFamily="18" charset="0"/>
-                        <a:cs typeface="Times New Roman" panose="02020603050405020304" pitchFamily="18" charset="0"/>
-                      </a:rPr>
-                      <m:t>=</m:t>
-                    </m:r>
-                    <m:r>
-                      <a:rPr kumimoji="1" lang="en-US" altLang="ja-JP" sz="2400" b="0" i="1" smtClean="0">
-                        <a:latin typeface="Cambria Math" panose="02040503050406030204" pitchFamily="18" charset="0"/>
-                        <a:ea typeface="Cambria Math" panose="02040503050406030204" pitchFamily="18" charset="0"/>
-                        <a:cs typeface="Times New Roman" panose="02020603050405020304" pitchFamily="18" charset="0"/>
-                      </a:rPr>
-                      <m:t>𝑡</m:t>
-                    </m:r>
-                    <m:r>
-                      <a:rPr kumimoji="1" lang="en-US" altLang="ja-JP" sz="2400" b="0" i="1" smtClean="0">
-                        <a:latin typeface="Cambria Math" panose="02040503050406030204" pitchFamily="18" charset="0"/>
-                        <a:ea typeface="Cambria Math" panose="02040503050406030204" pitchFamily="18" charset="0"/>
-                        <a:cs typeface="Times New Roman" panose="02020603050405020304" pitchFamily="18" charset="0"/>
-                      </a:rPr>
-                      <m:t>/</m:t>
-                    </m:r>
-                    <m:r>
-                      <a:rPr kumimoji="1" lang="en-US" altLang="ja-JP" sz="2400" b="0" i="1" smtClean="0">
-                        <a:latin typeface="Cambria Math" panose="02040503050406030204" pitchFamily="18" charset="0"/>
-                        <a:ea typeface="Cambria Math" panose="02040503050406030204" pitchFamily="18" charset="0"/>
-                        <a:cs typeface="Times New Roman" panose="02020603050405020304" pitchFamily="18" charset="0"/>
-                      </a:rPr>
-                      <m:t>𝑟</m:t>
-                    </m:r>
-                  </m:oMath>
-                </a14:m>
-                <a:r>
-                  <a:rPr kumimoji="1" lang="en-US" altLang="ja-JP" sz="2400" dirty="0">
-                    <a:latin typeface="Times New Roman" panose="02020603050405020304" pitchFamily="18" charset="0"/>
-                    <a:ea typeface="YuKyokasho Medium" panose="02000500000000000000" pitchFamily="2" charset="-128"/>
-                    <a:cs typeface="Times New Roman" panose="02020603050405020304" pitchFamily="18" charset="0"/>
-                  </a:rPr>
-                  <a:t> </a:t>
-                </a:r>
-                <a:r>
-                  <a:rPr kumimoji="1" lang="ja-JP" altLang="en-US" sz="2400">
-                    <a:latin typeface="Times New Roman" panose="02020603050405020304" pitchFamily="18" charset="0"/>
-                    <a:ea typeface="YuKyokasho Medium" panose="02000500000000000000" pitchFamily="2" charset="-128"/>
-                    <a:cs typeface="Times New Roman" panose="02020603050405020304" pitchFamily="18" charset="0"/>
-                  </a:rPr>
-                  <a:t>の</a:t>
-                </a:r>
-                <a:endParaRPr kumimoji="1" lang="en-US" altLang="ja-JP" sz="2400" dirty="0">
-                  <a:latin typeface="Times New Roman" panose="02020603050405020304" pitchFamily="18" charset="0"/>
-                  <a:ea typeface="YuKyokasho Medium" panose="02000500000000000000" pitchFamily="2" charset="-128"/>
-                  <a:cs typeface="Times New Roman" panose="02020603050405020304" pitchFamily="18" charset="0"/>
-                </a:endParaRPr>
-              </a:p>
-              <a:p>
-                <a:r>
-                  <a:rPr kumimoji="1" lang="ja-JP" altLang="en-US" sz="2400">
-                    <a:latin typeface="Times New Roman" panose="02020603050405020304" pitchFamily="18" charset="0"/>
-                    <a:ea typeface="YuKyokasho Medium" panose="02000500000000000000" pitchFamily="2" charset="-128"/>
-                    <a:cs typeface="Times New Roman" panose="02020603050405020304" pitchFamily="18" charset="0"/>
-                  </a:rPr>
-                  <a:t>時間発展を繰り返す</a:t>
-                </a:r>
-              </a:p>
-            </p:txBody>
-          </p:sp>
-        </mc:Choice>
-        <mc:Fallback>
-          <p:sp>
-            <p:nvSpPr>
-              <p:cNvPr id="97" name="テキスト ボックス 96">
-                <a:extLst>
-                  <a:ext uri="{FF2B5EF4-FFF2-40B4-BE49-F238E27FC236}">
-                    <a16:creationId xmlns:a16="http://schemas.microsoft.com/office/drawing/2014/main" id="{E7F40146-7A1D-83B1-C303-9BE65E24B41A}"/>
-                  </a:ext>
-                </a:extLst>
-              </p:cNvPr>
-              <p:cNvSpPr txBox="1">
-                <a:spLocks noRot="1" noChangeAspect="1" noMove="1" noResize="1" noEditPoints="1" noAdjustHandles="1" noChangeArrowheads="1" noChangeShapeType="1" noTextEdit="1"/>
-              </p:cNvSpPr>
-              <p:nvPr/>
-            </p:nvSpPr>
-            <p:spPr>
-              <a:xfrm>
-                <a:off x="7142389" y="8551967"/>
-                <a:ext cx="3405875" cy="830997"/>
-              </a:xfrm>
-              <a:prstGeom prst="rect">
-                <a:avLst/>
-              </a:prstGeom>
-              <a:blipFill>
-                <a:blip r:embed="rId8"/>
-                <a:stretch>
-                  <a:fillRect l="-2974" t="-7576" b="-12121"/>
-                </a:stretch>
-              </a:blipFill>
-            </p:spPr>
-            <p:txBody>
-              <a:bodyPr/>
-              <a:lstStyle/>
-              <a:p>
-                <a:r>
-                  <a:rPr lang="ja-JP" altLang="en-US">
-                    <a:noFill/>
-                  </a:rPr>
-                  <a:t> </a:t>
-                </a:r>
-              </a:p>
-            </p:txBody>
-          </p:sp>
-        </mc:Fallback>
-      </mc:AlternateContent>
-      <p:sp>
-        <p:nvSpPr>
           <p:cNvPr id="101" name="左中かっこ 100">
             <a:extLst>
               <a:ext uri="{FF2B5EF4-FFF2-40B4-BE49-F238E27FC236}">
@@ -4697,7 +4064,7 @@
         </p:nvSpPr>
         <p:spPr>
           <a:xfrm>
-            <a:off x="1953593" y="9565016"/>
+            <a:off x="2004392" y="9226350"/>
             <a:ext cx="215152" cy="1049223"/>
           </a:xfrm>
           <a:prstGeom prst="leftBrace">
@@ -4754,7 +4121,7 @@
           <p:nvPr/>
         </p:nvPicPr>
         <p:blipFill>
-          <a:blip r:embed="rId9">
+          <a:blip r:embed="rId5">
             <a:extLst>
               <a:ext uri="{28A0092B-C50C-407E-A947-70E740481C1C}">
                 <a14:useLocalDpi xmlns:a14="http://schemas.microsoft.com/office/drawing/2010/main" val="0"/>
@@ -4768,7 +4135,7 @@
         </p:blipFill>
         <p:spPr bwMode="auto">
           <a:xfrm>
-            <a:off x="2353719" y="9626040"/>
+            <a:off x="2353719" y="9236574"/>
             <a:ext cx="2976692" cy="357812"/>
           </a:xfrm>
           <a:prstGeom prst="rect">
@@ -4801,7 +4168,7 @@
           <p:nvPr/>
         </p:nvPicPr>
         <p:blipFill>
-          <a:blip r:embed="rId10">
+          <a:blip r:embed="rId6">
             <a:extLst>
               <a:ext uri="{28A0092B-C50C-407E-A947-70E740481C1C}">
                 <a14:useLocalDpi xmlns:a14="http://schemas.microsoft.com/office/drawing/2010/main" val="0"/>
@@ -4815,7 +4182,7 @@
         </p:blipFill>
         <p:spPr bwMode="auto">
           <a:xfrm>
-            <a:off x="2349678" y="10202334"/>
+            <a:off x="2349678" y="9812868"/>
             <a:ext cx="4242622" cy="357811"/>
           </a:xfrm>
           <a:prstGeom prst="rect">
@@ -4847,8 +4214,8 @@
         </p:nvSpPr>
         <p:spPr>
           <a:xfrm>
-            <a:off x="6989989" y="7755281"/>
-            <a:ext cx="2644118" cy="523220"/>
+            <a:off x="6890898" y="7618521"/>
+            <a:ext cx="6439021" cy="461665"/>
           </a:xfrm>
           <a:prstGeom prst="rect">
             <a:avLst/>
@@ -4862,30 +4229,30 @@
           <a:lstStyle/>
           <a:p>
             <a:r>
-              <a:rPr kumimoji="1" lang="en-US" altLang="ja-JP" sz="2800" b="1" dirty="0">
+              <a:rPr kumimoji="1" lang="en-US" altLang="ja-JP" sz="2400" b="1" dirty="0">
                 <a:latin typeface="Times New Roman" panose="02020603050405020304" pitchFamily="18" charset="0"/>
                 <a:ea typeface="YUKYOKASHO MEDIUM" panose="02000500000000000000" pitchFamily="2" charset="-128"/>
                 <a:cs typeface="Times New Roman" panose="02020603050405020304" pitchFamily="18" charset="0"/>
               </a:rPr>
-              <a:t>[</a:t>
-            </a:r>
-            <a:r>
-              <a:rPr kumimoji="1" lang="ja-JP" altLang="en-US" sz="2800" b="1">
+              <a:t>[Linear combination of </a:t>
+            </a:r>
+            <a:r>
+              <a:rPr kumimoji="1" lang="en-US" altLang="ja-JP" sz="2400" b="1" dirty="0" err="1">
                 <a:latin typeface="Times New Roman" panose="02020603050405020304" pitchFamily="18" charset="0"/>
                 <a:ea typeface="YUKYOKASHO MEDIUM" panose="02000500000000000000" pitchFamily="2" charset="-128"/>
                 <a:cs typeface="Times New Roman" panose="02020603050405020304" pitchFamily="18" charset="0"/>
               </a:rPr>
-              <a:t>アルゴリズム</a:t>
-            </a:r>
-            <a:r>
-              <a:rPr kumimoji="1" lang="en-US" altLang="ja-JP" sz="2800" b="1" dirty="0">
+              <a:t>unitaries</a:t>
+            </a:r>
+            <a:r>
+              <a:rPr kumimoji="1" lang="en-US" altLang="ja-JP" sz="2400" b="1" dirty="0">
                 <a:latin typeface="Times New Roman" panose="02020603050405020304" pitchFamily="18" charset="0"/>
                 <a:ea typeface="YUKYOKASHO MEDIUM" panose="02000500000000000000" pitchFamily="2" charset="-128"/>
                 <a:cs typeface="Times New Roman" panose="02020603050405020304" pitchFamily="18" charset="0"/>
               </a:rPr>
-              <a:t>]</a:t>
-            </a:r>
-            <a:endParaRPr kumimoji="1" lang="ja-JP" altLang="en-US" sz="2800" b="1">
+              <a:t> (LCU)]</a:t>
+            </a:r>
+            <a:endParaRPr kumimoji="1" lang="ja-JP" altLang="en-US" sz="2400" b="1">
               <a:latin typeface="Times New Roman" panose="02020603050405020304" pitchFamily="18" charset="0"/>
               <a:ea typeface="YUKYOKASHO MEDIUM" panose="02000500000000000000" pitchFamily="2" charset="-128"/>
               <a:cs typeface="Times New Roman" panose="02020603050405020304" pitchFamily="18" charset="0"/>
@@ -4893,44 +4260,118 @@
           </a:p>
         </p:txBody>
       </p:sp>
-      <p:pic>
-        <p:nvPicPr>
-          <p:cNvPr id="106" name="図 105">
+      <p:sp>
+        <p:nvSpPr>
+          <p:cNvPr id="3" name="正方形/長方形 2">
             <a:extLst>
               <a:ext uri="{FF2B5EF4-FFF2-40B4-BE49-F238E27FC236}">
-                <a16:creationId xmlns:a16="http://schemas.microsoft.com/office/drawing/2014/main" id="{AC4E2ADC-DB9B-2417-EC26-4901DB98CC1E}"/>
+                <a16:creationId xmlns:a16="http://schemas.microsoft.com/office/drawing/2014/main" id="{A7640B02-BB74-8E11-DECB-5A9C93DD4FED}"/>
               </a:ext>
             </a:extLst>
           </p:cNvPr>
-          <p:cNvPicPr>
-            <a:picLocks noChangeAspect="1"/>
-          </p:cNvPicPr>
+          <p:cNvSpPr/>
           <p:nvPr/>
-        </p:nvPicPr>
-        <p:blipFill>
-          <a:blip r:embed="rId11"/>
-          <a:stretch>
-            <a:fillRect/>
-          </a:stretch>
-        </p:blipFill>
+        </p:nvSpPr>
         <p:spPr>
           <a:xfrm>
-            <a:off x="7951443" y="9855745"/>
-            <a:ext cx="4178548" cy="701622"/>
+            <a:off x="1435277" y="4078544"/>
+            <a:ext cx="1682369" cy="592378"/>
           </a:xfrm>
           <a:prstGeom prst="rect">
             <a:avLst/>
           </a:prstGeom>
+          <a:solidFill>
+            <a:schemeClr val="bg1"/>
+          </a:solidFill>
+          <a:ln>
+            <a:noFill/>
+          </a:ln>
         </p:spPr>
-      </p:pic>
+        <p:style>
+          <a:lnRef idx="2">
+            <a:schemeClr val="accent1">
+              <a:shade val="15000"/>
+            </a:schemeClr>
+          </a:lnRef>
+          <a:fillRef idx="1">
+            <a:schemeClr val="accent1"/>
+          </a:fillRef>
+          <a:effectRef idx="0">
+            <a:schemeClr val="accent1"/>
+          </a:effectRef>
+          <a:fontRef idx="minor">
+            <a:schemeClr val="lt1"/>
+          </a:fontRef>
+        </p:style>
+        <p:txBody>
+          <a:bodyPr rtlCol="0" anchor="ctr"/>
+          <a:lstStyle/>
+          <a:p>
+            <a:pPr algn="ctr"/>
+            <a:endParaRPr kumimoji="1" lang="ja-JP" altLang="en-US"/>
+          </a:p>
+        </p:txBody>
+      </p:sp>
+      <p:sp>
+        <p:nvSpPr>
+          <p:cNvPr id="7" name="正方形/長方形 6">
+            <a:extLst>
+              <a:ext uri="{FF2B5EF4-FFF2-40B4-BE49-F238E27FC236}">
+                <a16:creationId xmlns:a16="http://schemas.microsoft.com/office/drawing/2014/main" id="{56AEC31C-1451-991E-98F6-B49C1F746FEF}"/>
+              </a:ext>
+            </a:extLst>
+          </p:cNvPr>
+          <p:cNvSpPr/>
+          <p:nvPr/>
+        </p:nvSpPr>
+        <p:spPr>
+          <a:xfrm>
+            <a:off x="5070856" y="4023492"/>
+            <a:ext cx="2880587" cy="592378"/>
+          </a:xfrm>
+          <a:prstGeom prst="rect">
+            <a:avLst/>
+          </a:prstGeom>
+          <a:solidFill>
+            <a:schemeClr val="bg1"/>
+          </a:solidFill>
+          <a:ln>
+            <a:noFill/>
+          </a:ln>
+        </p:spPr>
+        <p:style>
+          <a:lnRef idx="2">
+            <a:schemeClr val="accent1">
+              <a:shade val="15000"/>
+            </a:schemeClr>
+          </a:lnRef>
+          <a:fillRef idx="1">
+            <a:schemeClr val="accent1"/>
+          </a:fillRef>
+          <a:effectRef idx="0">
+            <a:schemeClr val="accent1"/>
+          </a:effectRef>
+          <a:fontRef idx="minor">
+            <a:schemeClr val="lt1"/>
+          </a:fontRef>
+        </p:style>
+        <p:txBody>
+          <a:bodyPr rtlCol="0" anchor="ctr"/>
+          <a:lstStyle/>
+          <a:p>
+            <a:pPr algn="ctr"/>
+            <a:endParaRPr kumimoji="1" lang="ja-JP" altLang="en-US"/>
+          </a:p>
+        </p:txBody>
+      </p:sp>
       <mc:AlternateContent xmlns:mc="http://schemas.openxmlformats.org/markup-compatibility/2006">
         <mc:Choice xmlns:a14="http://schemas.microsoft.com/office/drawing/2010/main" Requires="a14">
           <p:sp>
             <p:nvSpPr>
-              <p:cNvPr id="107" name="テキスト ボックス 106">
+              <p:cNvPr id="9" name="テキスト ボックス 8">
                 <a:extLst>
                   <a:ext uri="{FF2B5EF4-FFF2-40B4-BE49-F238E27FC236}">
-                    <a16:creationId xmlns:a16="http://schemas.microsoft.com/office/drawing/2014/main" id="{85381F88-391A-71C2-6E75-A96FD5D223BB}"/>
+                    <a16:creationId xmlns:a16="http://schemas.microsoft.com/office/drawing/2014/main" id="{3A0DFAB5-FE8E-C286-E950-5941B07B9F94}"/>
                   </a:ext>
                 </a:extLst>
               </p:cNvPr>
@@ -4939,8 +4380,8 @@
             </p:nvSpPr>
             <p:spPr>
               <a:xfrm>
-                <a:off x="688293" y="9565016"/>
-                <a:ext cx="1372876" cy="553998"/>
+                <a:off x="1466651" y="4183830"/>
+                <a:ext cx="1650995" cy="400110"/>
               </a:xfrm>
               <a:prstGeom prst="rect">
                 <a:avLst/>
@@ -4948,105 +4389,44 @@
               <a:noFill/>
             </p:spPr>
             <p:txBody>
-              <a:bodyPr wrap="none" lIns="0" tIns="0" rIns="0" bIns="0" rtlCol="0">
+              <a:bodyPr wrap="square" rtlCol="0">
                 <a:spAutoFit/>
               </a:bodyPr>
               <a:lstStyle/>
               <a:p>
-                <a:pPr algn="ctr"/>
                 <a14:m>
-                  <m:oMathPara xmlns:m="http://schemas.openxmlformats.org/officeDocument/2006/math">
-                    <m:oMathParaPr>
-                      <m:jc m:val="centerGroup"/>
-                    </m:oMathParaPr>
-                    <m:oMath xmlns:m="http://schemas.openxmlformats.org/officeDocument/2006/math">
-                      <m:r>
-                        <a:rPr kumimoji="1" lang="en-US" altLang="ja-JP" b="0" i="1" smtClean="0">
-                          <a:latin typeface="Cambria Math" panose="02040503050406030204" pitchFamily="18" charset="0"/>
-                        </a:rPr>
-                        <m:t>𝐻</m:t>
-                      </m:r>
-                      <m:r>
-                        <a:rPr kumimoji="1" lang="en-US" altLang="ja-JP" b="0" i="1" smtClean="0">
-                          <a:latin typeface="Cambria Math" panose="02040503050406030204" pitchFamily="18" charset="0"/>
-                        </a:rPr>
-                        <m:t>=</m:t>
-                      </m:r>
-                      <m:sSub>
-                        <m:sSubPr>
-                          <m:ctrlPr>
-                            <a:rPr kumimoji="1" lang="en-US" altLang="ja-JP" b="0" i="1" smtClean="0">
-                              <a:latin typeface="Cambria Math" panose="02040503050406030204" pitchFamily="18" charset="0"/>
-                            </a:rPr>
-                          </m:ctrlPr>
-                        </m:sSubPr>
-                        <m:e>
-                          <m:r>
-                            <a:rPr kumimoji="1" lang="en-US" altLang="ja-JP" b="0" i="1" smtClean="0">
-                              <a:latin typeface="Cambria Math" panose="02040503050406030204" pitchFamily="18" charset="0"/>
-                            </a:rPr>
-                            <m:t>𝐻</m:t>
-                          </m:r>
-                        </m:e>
-                        <m:sub>
-                          <m:r>
-                            <a:rPr kumimoji="1" lang="en-US" altLang="ja-JP" b="0" i="1" smtClean="0">
-                              <a:latin typeface="Cambria Math" panose="02040503050406030204" pitchFamily="18" charset="0"/>
-                            </a:rPr>
-                            <m:t>1</m:t>
-                          </m:r>
-                        </m:sub>
-                      </m:sSub>
-                      <m:r>
-                        <a:rPr kumimoji="1" lang="en-US" altLang="ja-JP" b="0" i="1" smtClean="0">
-                          <a:latin typeface="Cambria Math" panose="02040503050406030204" pitchFamily="18" charset="0"/>
-                        </a:rPr>
-                        <m:t>+</m:t>
-                      </m:r>
-                      <m:sSub>
-                        <m:sSubPr>
-                          <m:ctrlPr>
-                            <a:rPr kumimoji="1" lang="en-US" altLang="ja-JP" b="0" i="1" smtClean="0">
-                              <a:latin typeface="Cambria Math" panose="02040503050406030204" pitchFamily="18" charset="0"/>
-                            </a:rPr>
-                          </m:ctrlPr>
-                        </m:sSubPr>
-                        <m:e>
-                          <m:r>
-                            <a:rPr kumimoji="1" lang="en-US" altLang="ja-JP" b="0" i="1" smtClean="0">
-                              <a:latin typeface="Cambria Math" panose="02040503050406030204" pitchFamily="18" charset="0"/>
-                            </a:rPr>
-                            <m:t>𝐻</m:t>
-                          </m:r>
-                        </m:e>
-                        <m:sub>
-                          <m:r>
-                            <a:rPr kumimoji="1" lang="en-US" altLang="ja-JP" b="0" i="1" smtClean="0">
-                              <a:latin typeface="Cambria Math" panose="02040503050406030204" pitchFamily="18" charset="0"/>
-                            </a:rPr>
-                            <m:t>2</m:t>
-                          </m:r>
-                        </m:sub>
-                      </m:sSub>
-                    </m:oMath>
-                  </m:oMathPara>
+                  <m:oMath xmlns:m="http://schemas.openxmlformats.org/officeDocument/2006/math">
+                    <m:r>
+                      <a:rPr kumimoji="1" lang="en-US" altLang="ja-JP" sz="2000" b="0" i="1" smtClean="0">
+                        <a:latin typeface="Cambria Math" panose="02040503050406030204" pitchFamily="18" charset="0"/>
+                        <a:ea typeface="YuKyokasho Medium" panose="02000500000000000000" pitchFamily="2" charset="-128"/>
+                        <a:cs typeface="Times New Roman" panose="02020603050405020304" pitchFamily="18" charset="0"/>
+                      </a:rPr>
+                      <m:t>𝑁</m:t>
+                    </m:r>
+                  </m:oMath>
                 </a14:m>
-                <a:endParaRPr kumimoji="1" lang="en-US" altLang="ja-JP" dirty="0">
+                <a:r>
+                  <a:rPr kumimoji="1" lang="en-US" altLang="ja-JP" sz="2000" b="0" dirty="0">
+                    <a:latin typeface="Cambria Math" panose="02040503050406030204" pitchFamily="18" charset="0"/>
+                    <a:ea typeface="YuKyokasho Medium" panose="02000500000000000000" pitchFamily="2" charset="-128"/>
+                    <a:cs typeface="Times New Roman" panose="02020603050405020304" pitchFamily="18" charset="0"/>
+                  </a:rPr>
+                  <a:t>-</a:t>
+                </a:r>
+                <a:r>
+                  <a:rPr kumimoji="1" lang="en-US" altLang="ja-JP" sz="2000" b="0" dirty="0">
+                    <a:latin typeface="Times New Roman" panose="02020603050405020304" pitchFamily="18" charset="0"/>
+                    <a:ea typeface="YuKyokasho Medium" panose="02000500000000000000" pitchFamily="2" charset="-128"/>
+                    <a:cs typeface="Times New Roman" panose="02020603050405020304" pitchFamily="18" charset="0"/>
+                  </a:rPr>
+                  <a:t>qubit state</a:t>
+                </a:r>
+                <a:endParaRPr kumimoji="1" lang="en-US" altLang="ja-JP" sz="2000" b="0" i="1" dirty="0">
                   <a:latin typeface="Times New Roman" panose="02020603050405020304" pitchFamily="18" charset="0"/>
                   <a:ea typeface="YuKyokasho Medium" panose="02000500000000000000" pitchFamily="2" charset="-128"/>
                   <a:cs typeface="Times New Roman" panose="02020603050405020304" pitchFamily="18" charset="0"/>
                 </a:endParaRPr>
-              </a:p>
-              <a:p>
-                <a:pPr algn="ctr"/>
-                <a:r>
-                  <a:rPr kumimoji="1" lang="ja-JP" altLang="en-US">
-                    <a:latin typeface="Times New Roman" panose="02020603050405020304" pitchFamily="18" charset="0"/>
-                    <a:ea typeface="YuKyokasho Medium" panose="02000500000000000000" pitchFamily="2" charset="-128"/>
-                    <a:cs typeface="Times New Roman" panose="02020603050405020304" pitchFamily="18" charset="0"/>
-                  </a:rPr>
-                  <a:t>の場合</a:t>
-                </a:r>
               </a:p>
             </p:txBody>
           </p:sp>
@@ -5054,10 +4434,10 @@
         <mc:Fallback>
           <p:sp>
             <p:nvSpPr>
-              <p:cNvPr id="107" name="テキスト ボックス 106">
+              <p:cNvPr id="9" name="テキスト ボックス 8">
                 <a:extLst>
                   <a:ext uri="{FF2B5EF4-FFF2-40B4-BE49-F238E27FC236}">
-                    <a16:creationId xmlns:a16="http://schemas.microsoft.com/office/drawing/2014/main" id="{85381F88-391A-71C2-6E75-A96FD5D223BB}"/>
+                    <a16:creationId xmlns:a16="http://schemas.microsoft.com/office/drawing/2014/main" id="{3A0DFAB5-FE8E-C286-E950-5941B07B9F94}"/>
                   </a:ext>
                 </a:extLst>
               </p:cNvPr>
@@ -5068,16 +4448,16 @@
             </p:nvSpPr>
             <p:spPr>
               <a:xfrm>
-                <a:off x="688293" y="9565016"/>
-                <a:ext cx="1372876" cy="553998"/>
+                <a:off x="1466651" y="4183830"/>
+                <a:ext cx="1650995" cy="400110"/>
               </a:xfrm>
               <a:prstGeom prst="rect">
                 <a:avLst/>
               </a:prstGeom>
               <a:blipFill>
-                <a:blip r:embed="rId12"/>
+                <a:blip r:embed="rId7"/>
                 <a:stretch>
-                  <a:fillRect l="-1835" b="-22727"/>
+                  <a:fillRect t="-9375" b="-28125"/>
                 </a:stretch>
               </a:blipFill>
             </p:spPr>
@@ -5096,6 +4476,288 @@
           </p:sp>
         </mc:Fallback>
       </mc:AlternateContent>
+      <mc:AlternateContent xmlns:mc="http://schemas.openxmlformats.org/markup-compatibility/2006">
+        <mc:Choice xmlns:a14="http://schemas.microsoft.com/office/drawing/2010/main" Requires="a14">
+          <p:sp>
+            <p:nvSpPr>
+              <p:cNvPr id="11" name="テキスト ボックス 10">
+                <a:extLst>
+                  <a:ext uri="{FF2B5EF4-FFF2-40B4-BE49-F238E27FC236}">
+                    <a16:creationId xmlns:a16="http://schemas.microsoft.com/office/drawing/2014/main" id="{8FF5F459-7AE5-7CB3-632C-321CEFD81C03}"/>
+                  </a:ext>
+                </a:extLst>
+              </p:cNvPr>
+              <p:cNvSpPr txBox="1"/>
+              <p:nvPr/>
+            </p:nvSpPr>
+            <p:spPr>
+              <a:xfrm>
+                <a:off x="5157962" y="3994231"/>
+                <a:ext cx="1595263" cy="707886"/>
+              </a:xfrm>
+              <a:prstGeom prst="rect">
+                <a:avLst/>
+              </a:prstGeom>
+              <a:noFill/>
+            </p:spPr>
+            <p:txBody>
+              <a:bodyPr wrap="square" rtlCol="0">
+                <a:spAutoFit/>
+              </a:bodyPr>
+              <a:lstStyle/>
+              <a:p>
+                <a:pPr algn="ctr"/>
+                <a:r>
+                  <a:rPr kumimoji="1" lang="en-US" altLang="ja-JP" sz="2000" b="0" dirty="0">
+                    <a:latin typeface="Times New Roman" panose="02020603050405020304" pitchFamily="18" charset="0"/>
+                    <a:ea typeface="YuKyokasho Medium" panose="02000500000000000000" pitchFamily="2" charset="-128"/>
+                    <a:cs typeface="Times New Roman" panose="02020603050405020304" pitchFamily="18" charset="0"/>
+                  </a:rPr>
+                  <a:t>Solution at time </a:t>
+                </a:r>
+                <a14:m>
+                  <m:oMath xmlns:m="http://schemas.openxmlformats.org/officeDocument/2006/math">
+                    <m:r>
+                      <a:rPr kumimoji="1" lang="en-US" altLang="ja-JP" sz="2000" b="0" i="1" smtClean="0">
+                        <a:latin typeface="Cambria Math" panose="02040503050406030204" pitchFamily="18" charset="0"/>
+                        <a:ea typeface="YuKyokasho Medium" panose="02000500000000000000" pitchFamily="2" charset="-128"/>
+                        <a:cs typeface="Times New Roman" panose="02020603050405020304" pitchFamily="18" charset="0"/>
+                      </a:rPr>
+                      <m:t>𝑡</m:t>
+                    </m:r>
+                  </m:oMath>
+                </a14:m>
+                <a:endParaRPr kumimoji="1" lang="en-US" altLang="ja-JP" sz="2000" b="0" i="1" dirty="0">
+                  <a:latin typeface="Times New Roman" panose="02020603050405020304" pitchFamily="18" charset="0"/>
+                  <a:ea typeface="YuKyokasho Medium" panose="02000500000000000000" pitchFamily="2" charset="-128"/>
+                  <a:cs typeface="Times New Roman" panose="02020603050405020304" pitchFamily="18" charset="0"/>
+                </a:endParaRPr>
+              </a:p>
+            </p:txBody>
+          </p:sp>
+        </mc:Choice>
+        <mc:Fallback>
+          <p:sp>
+            <p:nvSpPr>
+              <p:cNvPr id="11" name="テキスト ボックス 10">
+                <a:extLst>
+                  <a:ext uri="{FF2B5EF4-FFF2-40B4-BE49-F238E27FC236}">
+                    <a16:creationId xmlns:a16="http://schemas.microsoft.com/office/drawing/2014/main" id="{8FF5F459-7AE5-7CB3-632C-321CEFD81C03}"/>
+                  </a:ext>
+                </a:extLst>
+              </p:cNvPr>
+              <p:cNvSpPr txBox="1">
+                <a:spLocks noRot="1" noChangeAspect="1" noMove="1" noResize="1" noEditPoints="1" noAdjustHandles="1" noChangeArrowheads="1" noChangeShapeType="1" noTextEdit="1"/>
+              </p:cNvSpPr>
+              <p:nvPr/>
+            </p:nvSpPr>
+            <p:spPr>
+              <a:xfrm>
+                <a:off x="5157962" y="3994231"/>
+                <a:ext cx="1595263" cy="707886"/>
+              </a:xfrm>
+              <a:prstGeom prst="rect">
+                <a:avLst/>
+              </a:prstGeom>
+              <a:blipFill>
+                <a:blip r:embed="rId8"/>
+                <a:stretch>
+                  <a:fillRect t="-3509" b="-14035"/>
+                </a:stretch>
+              </a:blipFill>
+            </p:spPr>
+            <p:txBody>
+              <a:bodyPr/>
+              <a:lstStyle/>
+              <a:p>
+                <a:r>
+                  <a:rPr lang="ja-JP" altLang="en-US">
+                    <a:noFill/>
+                  </a:rPr>
+                  <a:t> </a:t>
+                </a:r>
+              </a:p>
+            </p:txBody>
+          </p:sp>
+        </mc:Fallback>
+      </mc:AlternateContent>
+      <p:sp>
+        <p:nvSpPr>
+          <p:cNvPr id="12" name="テキスト ボックス 11">
+            <a:extLst>
+              <a:ext uri="{FF2B5EF4-FFF2-40B4-BE49-F238E27FC236}">
+                <a16:creationId xmlns:a16="http://schemas.microsoft.com/office/drawing/2014/main" id="{EC2910CB-6866-90CC-3A7F-2444402F28DD}"/>
+              </a:ext>
+            </a:extLst>
+          </p:cNvPr>
+          <p:cNvSpPr txBox="1"/>
+          <p:nvPr/>
+        </p:nvSpPr>
+        <p:spPr>
+          <a:xfrm>
+            <a:off x="7142389" y="4148119"/>
+            <a:ext cx="1595263" cy="400110"/>
+          </a:xfrm>
+          <a:prstGeom prst="rect">
+            <a:avLst/>
+          </a:prstGeom>
+          <a:noFill/>
+        </p:spPr>
+        <p:txBody>
+          <a:bodyPr wrap="square" rtlCol="0">
+            <a:spAutoFit/>
+          </a:bodyPr>
+          <a:lstStyle/>
+          <a:p>
+            <a:pPr algn="ctr"/>
+            <a:r>
+              <a:rPr kumimoji="1" lang="en-US" altLang="ja-JP" sz="2000" b="0" dirty="0">
+                <a:latin typeface="Times New Roman" panose="02020603050405020304" pitchFamily="18" charset="0"/>
+                <a:ea typeface="YuKyokasho Medium" panose="02000500000000000000" pitchFamily="2" charset="-128"/>
+                <a:cs typeface="Times New Roman" panose="02020603050405020304" pitchFamily="18" charset="0"/>
+              </a:rPr>
+              <a:t>Small error</a:t>
+            </a:r>
+            <a:endParaRPr kumimoji="1" lang="en-US" altLang="ja-JP" sz="2000" b="0" i="1" dirty="0">
+              <a:latin typeface="Times New Roman" panose="02020603050405020304" pitchFamily="18" charset="0"/>
+              <a:ea typeface="YuKyokasho Medium" panose="02000500000000000000" pitchFamily="2" charset="-128"/>
+              <a:cs typeface="Times New Roman" panose="02020603050405020304" pitchFamily="18" charset="0"/>
+            </a:endParaRPr>
+          </a:p>
+        </p:txBody>
+      </p:sp>
+      <p:sp>
+        <p:nvSpPr>
+          <p:cNvPr id="13" name="テキスト ボックス 12">
+            <a:extLst>
+              <a:ext uri="{FF2B5EF4-FFF2-40B4-BE49-F238E27FC236}">
+                <a16:creationId xmlns:a16="http://schemas.microsoft.com/office/drawing/2014/main" id="{90A4B6EB-A719-0ED9-E96B-7FA49CC8CA62}"/>
+              </a:ext>
+            </a:extLst>
+          </p:cNvPr>
+          <p:cNvSpPr txBox="1"/>
+          <p:nvPr/>
+        </p:nvSpPr>
+        <p:spPr>
+          <a:xfrm>
+            <a:off x="4032678" y="7733428"/>
+            <a:ext cx="2595466" cy="400110"/>
+          </a:xfrm>
+          <a:prstGeom prst="rect">
+            <a:avLst/>
+          </a:prstGeom>
+          <a:noFill/>
+        </p:spPr>
+        <p:txBody>
+          <a:bodyPr wrap="square" rtlCol="0">
+            <a:spAutoFit/>
+          </a:bodyPr>
+          <a:lstStyle/>
+          <a:p>
+            <a:r>
+              <a:rPr kumimoji="1" lang="en-US" altLang="ja-JP" sz="2000" dirty="0">
+                <a:latin typeface="Times New Roman" panose="02020603050405020304" pitchFamily="18" charset="0"/>
+                <a:ea typeface="YuKyokasho Medium" panose="02000500000000000000" pitchFamily="2" charset="-128"/>
+                <a:cs typeface="Times New Roman" panose="02020603050405020304" pitchFamily="18" charset="0"/>
+              </a:rPr>
+              <a:t>or Trotterization</a:t>
+            </a:r>
+            <a:endParaRPr kumimoji="1" lang="ja-JP" altLang="en-US" sz="2000" dirty="0">
+              <a:latin typeface="Times New Roman" panose="02020603050405020304" pitchFamily="18" charset="0"/>
+              <a:ea typeface="YuKyokasho Medium" panose="02000500000000000000" pitchFamily="2" charset="-128"/>
+              <a:cs typeface="Times New Roman" panose="02020603050405020304" pitchFamily="18" charset="0"/>
+            </a:endParaRPr>
+          </a:p>
+        </p:txBody>
+      </p:sp>
+      <p:sp>
+        <p:nvSpPr>
+          <p:cNvPr id="14" name="テキスト ボックス 13">
+            <a:extLst>
+              <a:ext uri="{FF2B5EF4-FFF2-40B4-BE49-F238E27FC236}">
+                <a16:creationId xmlns:a16="http://schemas.microsoft.com/office/drawing/2014/main" id="{4F0B0D41-70AA-7B02-7793-A7590277B3CA}"/>
+              </a:ext>
+            </a:extLst>
+          </p:cNvPr>
+          <p:cNvSpPr txBox="1"/>
+          <p:nvPr/>
+        </p:nvSpPr>
+        <p:spPr>
+          <a:xfrm>
+            <a:off x="771468" y="9246182"/>
+            <a:ext cx="1200347" cy="400110"/>
+          </a:xfrm>
+          <a:prstGeom prst="rect">
+            <a:avLst/>
+          </a:prstGeom>
+          <a:noFill/>
+        </p:spPr>
+        <p:txBody>
+          <a:bodyPr wrap="square" rtlCol="0">
+            <a:spAutoFit/>
+          </a:bodyPr>
+          <a:lstStyle/>
+          <a:p>
+            <a:r>
+              <a:rPr kumimoji="1" lang="en-US" altLang="ja-JP" sz="2000" dirty="0">
+                <a:latin typeface="Times New Roman" panose="02020603050405020304" pitchFamily="18" charset="0"/>
+                <a:ea typeface="YuKyokasho Medium" panose="02000500000000000000" pitchFamily="2" charset="-128"/>
+                <a:cs typeface="Times New Roman" panose="02020603050405020304" pitchFamily="18" charset="0"/>
+              </a:rPr>
+              <a:t>Example</a:t>
+            </a:r>
+            <a:endParaRPr kumimoji="1" lang="ja-JP" altLang="en-US" sz="2000" dirty="0">
+              <a:latin typeface="Times New Roman" panose="02020603050405020304" pitchFamily="18" charset="0"/>
+              <a:ea typeface="YuKyokasho Medium" panose="02000500000000000000" pitchFamily="2" charset="-128"/>
+              <a:cs typeface="Times New Roman" panose="02020603050405020304" pitchFamily="18" charset="0"/>
+            </a:endParaRPr>
+          </a:p>
+        </p:txBody>
+      </p:sp>
+      <p:sp>
+        <p:nvSpPr>
+          <p:cNvPr id="16" name="テキスト ボックス 15">
+            <a:extLst>
+              <a:ext uri="{FF2B5EF4-FFF2-40B4-BE49-F238E27FC236}">
+                <a16:creationId xmlns:a16="http://schemas.microsoft.com/office/drawing/2014/main" id="{6929B687-1829-63BA-E4D2-657DA853975C}"/>
+              </a:ext>
+            </a:extLst>
+          </p:cNvPr>
+          <p:cNvSpPr txBox="1"/>
+          <p:nvPr/>
+        </p:nvSpPr>
+        <p:spPr>
+          <a:xfrm>
+            <a:off x="7142389" y="8080186"/>
+            <a:ext cx="6249374" cy="461665"/>
+          </a:xfrm>
+          <a:prstGeom prst="rect">
+            <a:avLst/>
+          </a:prstGeom>
+          <a:noFill/>
+        </p:spPr>
+        <p:txBody>
+          <a:bodyPr wrap="square" rtlCol="0">
+            <a:spAutoFit/>
+          </a:bodyPr>
+          <a:lstStyle/>
+          <a:p>
+            <a:r>
+              <a:rPr kumimoji="1" lang="en-US" altLang="ja-JP" sz="2400" b="1" dirty="0">
+                <a:latin typeface="Times New Roman" panose="02020603050405020304" pitchFamily="18" charset="0"/>
+                <a:ea typeface="YUKYOKASHO MEDIUM" panose="02000500000000000000" pitchFamily="2" charset="-128"/>
+                <a:cs typeface="Times New Roman" panose="02020603050405020304" pitchFamily="18" charset="0"/>
+              </a:rPr>
+              <a:t>/ [Quantum singular value transform (QSVT)]</a:t>
+            </a:r>
+            <a:endParaRPr kumimoji="1" lang="ja-JP" altLang="en-US" sz="2400" b="1">
+              <a:latin typeface="Times New Roman" panose="02020603050405020304" pitchFamily="18" charset="0"/>
+              <a:ea typeface="YUKYOKASHO MEDIUM" panose="02000500000000000000" pitchFamily="2" charset="-128"/>
+              <a:cs typeface="Times New Roman" panose="02020603050405020304" pitchFamily="18" charset="0"/>
+            </a:endParaRPr>
+          </a:p>
+        </p:txBody>
+      </p:sp>
     </p:spTree>
     <p:extLst>
       <p:ext uri="{BB962C8B-B14F-4D97-AF65-F5344CB8AC3E}">
